--- a/ServerContactNet/Slides.pptx
+++ b/ServerContactNet/Slides.pptx
@@ -5,16 +5,18 @@
     <p:sldMasterId id="2147483648" r:id="rId4"/>
   </p:sldMasterIdLst>
   <p:notesMasterIdLst>
-    <p:notesMasterId r:id="rId9"/>
+    <p:notesMasterId r:id="rId11"/>
   </p:notesMasterIdLst>
   <p:handoutMasterIdLst>
-    <p:handoutMasterId r:id="rId10"/>
+    <p:handoutMasterId r:id="rId12"/>
   </p:handoutMasterIdLst>
   <p:sldIdLst>
     <p:sldId id="416" r:id="rId5"/>
     <p:sldId id="405" r:id="rId6"/>
     <p:sldId id="417" r:id="rId7"/>
     <p:sldId id="418" r:id="rId8"/>
+    <p:sldId id="419" r:id="rId9"/>
+    <p:sldId id="420" r:id="rId10"/>
   </p:sldIdLst>
   <p:sldSz cx="9144000" cy="5143500" type="screen16x9"/>
   <p:notesSz cx="6669088" cy="9926638"/>
@@ -204,7 +206,56 @@
 <file path=ppt/commentAuthors.xml><?xml version="1.0" encoding="utf-8"?>
 <p:cmAuthorLst xmlns:a="http://schemas.openxmlformats.org/drawingml/2006/main" xmlns:r="http://schemas.openxmlformats.org/officeDocument/2006/relationships" xmlns:p="http://schemas.openxmlformats.org/presentationml/2006/main">
   <p:cmAuthor id="0" name="Natacha Aubry" initials="NA" lastIdx="5" clrIdx="0"/>
+  <p:cmAuthor id="1" name="Bassac Bruno" initials="BB" lastIdx="2" clrIdx="1">
+    <p:extLst>
+      <p:ext uri="{19B8F6BF-5375-455C-9EA6-DF929625EA0E}">
+        <p15:presenceInfo xmlns:p15="http://schemas.microsoft.com/office/powerpoint/2012/main" userId="S-1-5-21-1244826721-3743062774-3831145568-37069" providerId="AD"/>
+      </p:ext>
+    </p:extLst>
+  </p:cmAuthor>
 </p:cmAuthorLst>
+</file>
+
+<file path=ppt/comments/comment1.xml><?xml version="1.0" encoding="utf-8"?>
+<p:cmLst xmlns:a="http://schemas.openxmlformats.org/drawingml/2006/main" xmlns:r="http://schemas.openxmlformats.org/officeDocument/2006/relationships" xmlns:p="http://schemas.openxmlformats.org/presentationml/2006/main">
+  <p:cm authorId="1" dt="2016-07-06T14:52:09.155" idx="2">
+    <p:pos x="10" y="10"/>
+    <p:text/>
+    <p:extLst>
+      <p:ext uri="{C676402C-5697-4E1C-873F-D02D1690AC5C}">
+        <p15:threadingInfo xmlns:p15="http://schemas.microsoft.com/office/powerpoint/2012/main" timeZoneBias="-120"/>
+      </p:ext>
+    </p:extLst>
+  </p:cm>
+</p:cmLst>
+</file>
+
+<file path=ppt/comments/comment2.xml><?xml version="1.0" encoding="utf-8"?>
+<p:cmLst xmlns:a="http://schemas.openxmlformats.org/drawingml/2006/main" xmlns:r="http://schemas.openxmlformats.org/officeDocument/2006/relationships" xmlns:p="http://schemas.openxmlformats.org/presentationml/2006/main">
+  <p:cm authorId="1" dt="2016-07-06T14:52:09.155" idx="2">
+    <p:pos x="10" y="10"/>
+    <p:text/>
+    <p:extLst>
+      <p:ext uri="{C676402C-5697-4E1C-873F-D02D1690AC5C}">
+        <p15:threadingInfo xmlns:p15="http://schemas.microsoft.com/office/powerpoint/2012/main" timeZoneBias="-120"/>
+      </p:ext>
+    </p:extLst>
+  </p:cm>
+</p:cmLst>
+</file>
+
+<file path=ppt/comments/comment3.xml><?xml version="1.0" encoding="utf-8"?>
+<p:cmLst xmlns:a="http://schemas.openxmlformats.org/drawingml/2006/main" xmlns:r="http://schemas.openxmlformats.org/officeDocument/2006/relationships" xmlns:p="http://schemas.openxmlformats.org/presentationml/2006/main">
+  <p:cm authorId="1" dt="2016-07-06T14:52:09.155" idx="2">
+    <p:pos x="10" y="10"/>
+    <p:text/>
+    <p:extLst>
+      <p:ext uri="{C676402C-5697-4E1C-873F-D02D1690AC5C}">
+        <p15:threadingInfo xmlns:p15="http://schemas.microsoft.com/office/powerpoint/2012/main" timeZoneBias="-120"/>
+      </p:ext>
+    </p:extLst>
+  </p:cm>
+</p:cmLst>
 </file>
 
 <file path=ppt/handoutMasters/handoutMaster1.xml><?xml version="1.0" encoding="utf-8"?>
@@ -290,7 +341,7 @@
             <a:fld id="{E2E718D3-8B00-49A6-9737-E208AD117474}" type="datetimeFigureOut">
               <a:rPr lang="fr-FR" smtClean="0"/>
               <a:pPr/>
-              <a:t>22/06/2016</a:t>
+              <a:t>06/07/2016</a:t>
             </a:fld>
             <a:endParaRPr lang="fr-FR"/>
           </a:p>
@@ -456,7 +507,7 @@
             <a:fld id="{A87EF80A-62B3-4B89-B2CA-EC990CF5BD1A}" type="datetimeFigureOut">
               <a:rPr lang="fr-FR" smtClean="0"/>
               <a:pPr/>
-              <a:t>22/06/2016</a:t>
+              <a:t>06/07/2016</a:t>
             </a:fld>
             <a:endParaRPr lang="fr-FR" dirty="0"/>
           </a:p>
@@ -11885,7 +11936,7 @@
           <p:nvPr userDrawn="1"/>
         </p:nvPicPr>
         <p:blipFill>
-          <a:blip r:embed="rId2" cstate="screen">
+          <a:blip r:embed="rId2" cstate="print">
             <a:extLst>
               <a:ext uri="{28A0092B-C50C-407E-A947-70E740481C1C}">
                 <a14:useLocalDpi xmlns:a14="http://schemas.microsoft.com/office/drawing/2010/main" val="0"/>
@@ -12800,7 +12851,7 @@
           <p:nvPr userDrawn="1"/>
         </p:nvPicPr>
         <p:blipFill>
-          <a:blip r:embed="rId2" cstate="screen">
+          <a:blip r:embed="rId2" cstate="print">
             <a:extLst>
               <a:ext uri="{28A0092B-C50C-407E-A947-70E740481C1C}">
                 <a14:useLocalDpi xmlns:a14="http://schemas.microsoft.com/office/drawing/2010/main" val="0"/>
@@ -12989,7 +13040,7 @@
           <p:nvPr userDrawn="1"/>
         </p:nvPicPr>
         <p:blipFill>
-          <a:blip r:embed="rId2" cstate="screen">
+          <a:blip r:embed="rId2" cstate="print">
             <a:extLst>
               <a:ext uri="{28A0092B-C50C-407E-A947-70E740481C1C}">
                 <a14:useLocalDpi xmlns:a14="http://schemas.microsoft.com/office/drawing/2010/main" val="0"/>
@@ -18506,6 +18557,36 @@
           </a:prstGeom>
         </p:spPr>
       </p:pic>
+      <p:pic>
+        <p:nvPicPr>
+          <p:cNvPr id="3" name="Image 2" descr="File:Love Heart SVG.svg - Wikipedia, the free encyclopedia"/>
+          <p:cNvPicPr>
+            <a:picLocks noChangeAspect="1"/>
+          </p:cNvPicPr>
+          <p:nvPr/>
+        </p:nvPicPr>
+        <p:blipFill>
+          <a:blip r:embed="rId3" cstate="print">
+            <a:extLst>
+              <a:ext uri="{28A0092B-C50C-407E-A947-70E740481C1C}">
+                <a14:useLocalDpi xmlns:a14="http://schemas.microsoft.com/office/drawing/2010/main" val="0"/>
+              </a:ext>
+            </a:extLst>
+          </a:blip>
+          <a:stretch>
+            <a:fillRect/>
+          </a:stretch>
+        </p:blipFill>
+        <p:spPr>
+          <a:xfrm>
+            <a:off x="3697682" y="3355041"/>
+            <a:ext cx="423419" cy="384031"/>
+          </a:xfrm>
+          <a:prstGeom prst="rect">
+            <a:avLst/>
+          </a:prstGeom>
+        </p:spPr>
+      </p:pic>
     </p:spTree>
     <p:extLst>
       <p:ext uri="{BB962C8B-B14F-4D97-AF65-F5344CB8AC3E}">
@@ -18591,7 +18672,7 @@
             </a:r>
           </a:p>
           <a:p>
-            <a:endParaRPr lang="fr-FR" b="0" i="1" smtClean="0">
+            <a:endParaRPr lang="fr-FR" b="0" i="1" dirty="0" smtClean="0">
               <a:solidFill>
                 <a:srgbClr val="002060"/>
               </a:solidFill>
@@ -18599,7 +18680,7 @@
           </a:p>
           <a:p>
             <a:r>
-              <a:rPr lang="fr-FR" b="0" i="1" smtClean="0">
+              <a:rPr lang="fr-FR" b="0" i="1" dirty="0" smtClean="0">
                 <a:solidFill>
                   <a:srgbClr val="002060"/>
                 </a:solidFill>
@@ -18686,6 +18767,815 @@
   <p:clrMapOvr>
     <a:masterClrMapping/>
   </p:clrMapOvr>
+  <p:timing>
+    <p:tnLst>
+      <p:par>
+        <p:cTn id="1" dur="indefinite" restart="never" nodeType="tmRoot"/>
+      </p:par>
+    </p:tnLst>
+  </p:timing>
+</p:sld>
+</file>
+
+<file path=ppt/slides/slide5.xml><?xml version="1.0" encoding="utf-8"?>
+<p:sld xmlns:a="http://schemas.openxmlformats.org/drawingml/2006/main" xmlns:r="http://schemas.openxmlformats.org/officeDocument/2006/relationships" xmlns:p="http://schemas.openxmlformats.org/presentationml/2006/main">
+  <p:cSld>
+    <p:spTree>
+      <p:nvGrpSpPr>
+        <p:cNvPr id="1" name=""/>
+        <p:cNvGrpSpPr/>
+        <p:nvPr/>
+      </p:nvGrpSpPr>
+      <p:grpSpPr>
+        <a:xfrm>
+          <a:off x="0" y="0"/>
+          <a:ext cx="0" cy="0"/>
+          <a:chOff x="0" y="0"/>
+          <a:chExt cx="0" cy="0"/>
+        </a:xfrm>
+      </p:grpSpPr>
+      <p:sp>
+        <p:nvSpPr>
+          <p:cNvPr id="2" name="Titre 1"/>
+          <p:cNvSpPr>
+            <a:spLocks noGrp="1"/>
+          </p:cNvSpPr>
+          <p:nvPr>
+            <p:ph type="title"/>
+          </p:nvPr>
+        </p:nvSpPr>
+        <p:spPr/>
+        <p:txBody>
+          <a:bodyPr/>
+          <a:lstStyle/>
+          <a:p>
+            <a:r>
+              <a:rPr lang="fr-FR" dirty="0" smtClean="0"/>
+              <a:t>Démo</a:t>
+            </a:r>
+            <a:endParaRPr lang="fr-FR" dirty="0"/>
+          </a:p>
+        </p:txBody>
+      </p:sp>
+      <p:sp>
+        <p:nvSpPr>
+          <p:cNvPr id="3" name="Espace réservé du contenu 2"/>
+          <p:cNvSpPr>
+            <a:spLocks noGrp="1"/>
+          </p:cNvSpPr>
+          <p:nvPr>
+            <p:ph sz="quarter" idx="10"/>
+          </p:nvPr>
+        </p:nvSpPr>
+        <p:spPr>
+          <a:xfrm>
+            <a:off x="391716" y="978694"/>
+            <a:ext cx="8360569" cy="3959066"/>
+          </a:xfrm>
+        </p:spPr>
+        <p:txBody>
+          <a:bodyPr/>
+          <a:lstStyle/>
+          <a:p>
+            <a:pPr marL="285750" indent="-285750">
+              <a:buFont typeface="Arial" panose="020B0604020202020204" pitchFamily="34" charset="0"/>
+              <a:buChar char="•"/>
+            </a:pPr>
+            <a:r>
+              <a:rPr lang="fr-FR" dirty="0" err="1" smtClean="0"/>
+              <a:t>Dotnet</a:t>
+            </a:r>
+            <a:r>
+              <a:rPr lang="fr-FR" dirty="0" smtClean="0"/>
+              <a:t> CLI :</a:t>
+            </a:r>
+          </a:p>
+          <a:p>
+            <a:r>
+              <a:rPr lang="fr-FR" dirty="0">
+                <a:solidFill>
+                  <a:schemeClr val="tx1"/>
+                </a:solidFill>
+              </a:rPr>
+              <a:t>	</a:t>
+            </a:r>
+            <a:r>
+              <a:rPr lang="fr-FR" b="0" dirty="0" smtClean="0">
+                <a:solidFill>
+                  <a:schemeClr val="tx1"/>
+                </a:solidFill>
+              </a:rPr>
+              <a:t>#</a:t>
+            </a:r>
+            <a:r>
+              <a:rPr lang="en-US" dirty="0" err="1" smtClean="0">
+                <a:solidFill>
+                  <a:schemeClr val="tx1"/>
+                </a:solidFill>
+              </a:rPr>
+              <a:t>dotnet</a:t>
+            </a:r>
+            <a:r>
+              <a:rPr lang="en-US" dirty="0" smtClean="0">
+                <a:solidFill>
+                  <a:schemeClr val="tx1"/>
+                </a:solidFill>
+              </a:rPr>
+              <a:t> </a:t>
+            </a:r>
+            <a:r>
+              <a:rPr lang="en-US" dirty="0">
+                <a:solidFill>
+                  <a:schemeClr val="tx1"/>
+                </a:solidFill>
+              </a:rPr>
+              <a:t>new </a:t>
+            </a:r>
+            <a:r>
+              <a:rPr lang="en-US" dirty="0" smtClean="0">
+                <a:solidFill>
+                  <a:schemeClr val="tx1"/>
+                </a:solidFill>
+              </a:rPr>
+              <a:t> </a:t>
+            </a:r>
+            <a:r>
+              <a:rPr lang="en-US" b="0" dirty="0" smtClean="0">
+                <a:solidFill>
+                  <a:schemeClr val="tx1"/>
+                </a:solidFill>
+              </a:rPr>
+              <a:t>: to </a:t>
+            </a:r>
+            <a:r>
+              <a:rPr lang="en-US" b="0" dirty="0">
+                <a:solidFill>
+                  <a:schemeClr val="tx1"/>
+                </a:solidFill>
+              </a:rPr>
+              <a:t>create a new project</a:t>
+            </a:r>
+          </a:p>
+          <a:p>
+            <a:r>
+              <a:rPr lang="en-US" dirty="0" smtClean="0">
+                <a:solidFill>
+                  <a:schemeClr val="tx1"/>
+                </a:solidFill>
+              </a:rPr>
+              <a:t>	</a:t>
+            </a:r>
+            <a:r>
+              <a:rPr lang="en-US" b="0" dirty="0" smtClean="0">
+                <a:solidFill>
+                  <a:schemeClr val="tx1"/>
+                </a:solidFill>
+              </a:rPr>
+              <a:t>#</a:t>
+            </a:r>
+            <a:r>
+              <a:rPr lang="en-US" dirty="0" err="1" smtClean="0">
+                <a:solidFill>
+                  <a:schemeClr val="tx1"/>
+                </a:solidFill>
+              </a:rPr>
+              <a:t>dotnet</a:t>
+            </a:r>
+            <a:r>
+              <a:rPr lang="en-US" dirty="0" smtClean="0">
+                <a:solidFill>
+                  <a:schemeClr val="tx1"/>
+                </a:solidFill>
+              </a:rPr>
+              <a:t> </a:t>
+            </a:r>
+            <a:r>
+              <a:rPr lang="en-US" dirty="0">
+                <a:solidFill>
+                  <a:schemeClr val="tx1"/>
+                </a:solidFill>
+              </a:rPr>
+              <a:t>restore </a:t>
+            </a:r>
+            <a:r>
+              <a:rPr lang="en-US" dirty="0" smtClean="0">
+                <a:solidFill>
+                  <a:schemeClr val="tx1"/>
+                </a:solidFill>
+              </a:rPr>
+              <a:t> </a:t>
+            </a:r>
+            <a:r>
+              <a:rPr lang="en-US" b="0" dirty="0" smtClean="0">
+                <a:solidFill>
+                  <a:schemeClr val="tx1"/>
+                </a:solidFill>
+              </a:rPr>
+              <a:t>: to </a:t>
+            </a:r>
+            <a:r>
+              <a:rPr lang="en-US" b="0" dirty="0">
+                <a:solidFill>
+                  <a:schemeClr val="tx1"/>
+                </a:solidFill>
+              </a:rPr>
+              <a:t>bring down </a:t>
+            </a:r>
+            <a:r>
+              <a:rPr lang="en-US" b="0" dirty="0" err="1">
+                <a:solidFill>
+                  <a:schemeClr val="tx1"/>
+                </a:solidFill>
+              </a:rPr>
+              <a:t>NuGet</a:t>
+            </a:r>
+            <a:r>
+              <a:rPr lang="en-US" b="0" dirty="0">
+                <a:solidFill>
+                  <a:schemeClr val="tx1"/>
+                </a:solidFill>
+              </a:rPr>
+              <a:t> packages required</a:t>
+            </a:r>
+          </a:p>
+          <a:p>
+            <a:r>
+              <a:rPr lang="en-US" dirty="0" smtClean="0">
+                <a:solidFill>
+                  <a:schemeClr val="tx1"/>
+                </a:solidFill>
+              </a:rPr>
+              <a:t>	</a:t>
+            </a:r>
+            <a:r>
+              <a:rPr lang="en-US" b="0" dirty="0" smtClean="0">
+                <a:solidFill>
+                  <a:schemeClr val="tx1"/>
+                </a:solidFill>
+              </a:rPr>
+              <a:t>#</a:t>
+            </a:r>
+            <a:r>
+              <a:rPr lang="en-US" dirty="0" err="1" smtClean="0">
+                <a:solidFill>
+                  <a:schemeClr val="tx1"/>
+                </a:solidFill>
+              </a:rPr>
+              <a:t>dotnet</a:t>
+            </a:r>
+            <a:r>
+              <a:rPr lang="en-US" dirty="0" smtClean="0">
+                <a:solidFill>
+                  <a:schemeClr val="tx1"/>
+                </a:solidFill>
+              </a:rPr>
+              <a:t> build/run </a:t>
+            </a:r>
+            <a:r>
+              <a:rPr lang="en-US" b="0" dirty="0" smtClean="0">
+                <a:solidFill>
+                  <a:schemeClr val="tx1"/>
+                </a:solidFill>
+              </a:rPr>
+              <a:t>: to build/run </a:t>
+            </a:r>
+            <a:r>
+              <a:rPr lang="en-US" b="0" dirty="0">
+                <a:solidFill>
+                  <a:schemeClr val="tx1"/>
+                </a:solidFill>
+              </a:rPr>
+              <a:t>the </a:t>
+            </a:r>
+            <a:r>
+              <a:rPr lang="en-US" b="0" dirty="0" smtClean="0">
+                <a:solidFill>
+                  <a:schemeClr val="tx1"/>
+                </a:solidFill>
+              </a:rPr>
+              <a:t>application</a:t>
+            </a:r>
+          </a:p>
+          <a:p>
+            <a:pPr marL="285750" indent="-285750">
+              <a:buFont typeface="Arial" panose="020B0604020202020204" pitchFamily="34" charset="0"/>
+              <a:buChar char="•"/>
+            </a:pPr>
+            <a:r>
+              <a:rPr lang="en-US" dirty="0" smtClean="0">
+                <a:solidFill>
+                  <a:srgbClr val="FE000C"/>
+                </a:solidFill>
+              </a:rPr>
+              <a:t>Main</a:t>
+            </a:r>
+          </a:p>
+          <a:p>
+            <a:pPr marL="285750" indent="-285750">
+              <a:buFont typeface="Arial" panose="020B0604020202020204" pitchFamily="34" charset="0"/>
+              <a:buChar char="•"/>
+            </a:pPr>
+            <a:r>
+              <a:rPr lang="en-US" dirty="0" smtClean="0">
+                <a:solidFill>
+                  <a:srgbClr val="FE000C"/>
+                </a:solidFill>
+              </a:rPr>
+              <a:t>Model</a:t>
+            </a:r>
+          </a:p>
+          <a:p>
+            <a:pPr marL="285750" indent="-285750">
+              <a:buFont typeface="Arial" panose="020B0604020202020204" pitchFamily="34" charset="0"/>
+              <a:buChar char="•"/>
+            </a:pPr>
+            <a:r>
+              <a:rPr lang="en-US" dirty="0" smtClean="0">
+                <a:solidFill>
+                  <a:srgbClr val="FE000C"/>
+                </a:solidFill>
+              </a:rPr>
+              <a:t>Resources</a:t>
+            </a:r>
+          </a:p>
+          <a:p>
+            <a:pPr marL="285750" indent="-285750">
+              <a:buFont typeface="Arial" panose="020B0604020202020204" pitchFamily="34" charset="0"/>
+              <a:buChar char="•"/>
+            </a:pPr>
+            <a:r>
+              <a:rPr lang="en-US" dirty="0" smtClean="0">
+                <a:solidFill>
+                  <a:srgbClr val="FE000C"/>
+                </a:solidFill>
+              </a:rPr>
+              <a:t>Https</a:t>
+            </a:r>
+          </a:p>
+          <a:p>
+            <a:pPr marL="285750" indent="-285750">
+              <a:buFont typeface="Arial" panose="020B0604020202020204" pitchFamily="34" charset="0"/>
+              <a:buChar char="•"/>
+            </a:pPr>
+            <a:r>
+              <a:rPr lang="en-US" dirty="0" smtClean="0">
+                <a:solidFill>
+                  <a:srgbClr val="FE000C"/>
+                </a:solidFill>
+              </a:rPr>
+              <a:t>Security (IIS</a:t>
+            </a:r>
+            <a:r>
+              <a:rPr lang="en-US" dirty="0" smtClean="0">
+                <a:solidFill>
+                  <a:srgbClr val="FE000C"/>
+                </a:solidFill>
+              </a:rPr>
+              <a:t>) : Core Identity</a:t>
+            </a:r>
+            <a:endParaRPr lang="en-US" dirty="0" smtClean="0">
+              <a:solidFill>
+                <a:srgbClr val="FE000C"/>
+              </a:solidFill>
+            </a:endParaRPr>
+          </a:p>
+          <a:p>
+            <a:pPr marL="506016" lvl="2" indent="-171450" fontAlgn="base">
+              <a:buFont typeface="Arial" panose="020B0604020202020204" pitchFamily="34" charset="0"/>
+              <a:buChar char="•"/>
+            </a:pPr>
+            <a:r>
+              <a:rPr lang="en-US" sz="700" b="0" dirty="0">
+                <a:solidFill>
+                  <a:schemeClr val="tx1"/>
+                </a:solidFill>
+              </a:rPr>
+              <a:t>No </a:t>
+            </a:r>
+            <a:r>
+              <a:rPr lang="en-US" sz="700" b="0" dirty="0" smtClean="0">
+                <a:solidFill>
+                  <a:schemeClr val="tx1"/>
+                </a:solidFill>
+              </a:rPr>
+              <a:t>authentication</a:t>
+            </a:r>
+          </a:p>
+          <a:p>
+            <a:pPr marL="506016" lvl="2" indent="-171450" fontAlgn="base">
+              <a:buFont typeface="Arial" panose="020B0604020202020204" pitchFamily="34" charset="0"/>
+              <a:buChar char="•"/>
+            </a:pPr>
+            <a:r>
+              <a:rPr lang="en-US" sz="700" b="0" dirty="0" smtClean="0">
+                <a:solidFill>
+                  <a:schemeClr val="tx1"/>
+                </a:solidFill>
+              </a:rPr>
+              <a:t>Individual </a:t>
+            </a:r>
+            <a:r>
+              <a:rPr lang="en-US" sz="700" b="0" dirty="0">
+                <a:solidFill>
+                  <a:schemeClr val="tx1"/>
+                </a:solidFill>
+              </a:rPr>
+              <a:t>User Accounts – a security database will be created and you can configure individuals to access your application with a </a:t>
+            </a:r>
+            <a:r>
+              <a:rPr lang="en-US" sz="700" b="0" dirty="0" err="1">
+                <a:solidFill>
+                  <a:schemeClr val="tx1"/>
+                </a:solidFill>
+              </a:rPr>
+              <a:t>userid</a:t>
+            </a:r>
+            <a:r>
+              <a:rPr lang="en-US" sz="700" b="0" dirty="0">
+                <a:solidFill>
+                  <a:schemeClr val="tx1"/>
+                </a:solidFill>
+              </a:rPr>
+              <a:t> and password, an OAuth provider, or two-factor authentication, or any combination of these items.</a:t>
+            </a:r>
+          </a:p>
+          <a:p>
+            <a:pPr marL="506016" lvl="2" indent="-171450" fontAlgn="base">
+              <a:buFont typeface="Arial" panose="020B0604020202020204" pitchFamily="34" charset="0"/>
+              <a:buChar char="•"/>
+            </a:pPr>
+            <a:r>
+              <a:rPr lang="en-US" sz="700" b="0" dirty="0">
+                <a:solidFill>
+                  <a:schemeClr val="tx1"/>
+                </a:solidFill>
+              </a:rPr>
+              <a:t>Work and School Accounts – Using Azure Active Directory</a:t>
+            </a:r>
+          </a:p>
+          <a:p>
+            <a:pPr marL="506016" lvl="2" indent="-171450" fontAlgn="base">
+              <a:buFont typeface="Arial" panose="020B0604020202020204" pitchFamily="34" charset="0"/>
+              <a:buChar char="•"/>
+            </a:pPr>
+            <a:r>
+              <a:rPr lang="en-US" sz="700" b="0" dirty="0">
+                <a:solidFill>
+                  <a:schemeClr val="tx1"/>
+                </a:solidFill>
+              </a:rPr>
+              <a:t>Windows Authentication</a:t>
+            </a:r>
+          </a:p>
+          <a:p>
+            <a:pPr marL="285750" indent="-285750">
+              <a:buFont typeface="Arial" panose="020B0604020202020204" pitchFamily="34" charset="0"/>
+              <a:buChar char="•"/>
+            </a:pPr>
+            <a:r>
+              <a:rPr lang="fr-FR" dirty="0" smtClean="0">
+                <a:solidFill>
+                  <a:srgbClr val="FE000C"/>
+                </a:solidFill>
+              </a:rPr>
+              <a:t>Monitoring</a:t>
+            </a:r>
+            <a:endParaRPr lang="fr-FR" dirty="0">
+              <a:solidFill>
+                <a:srgbClr val="FE000C"/>
+              </a:solidFill>
+            </a:endParaRPr>
+          </a:p>
+        </p:txBody>
+      </p:sp>
+      <p:sp>
+        <p:nvSpPr>
+          <p:cNvPr id="4" name="Espace réservé du texte 3"/>
+          <p:cNvSpPr>
+            <a:spLocks noGrp="1"/>
+          </p:cNvSpPr>
+          <p:nvPr>
+            <p:ph type="body" idx="11"/>
+          </p:nvPr>
+        </p:nvSpPr>
+        <p:spPr/>
+        <p:txBody>
+          <a:bodyPr>
+            <a:normAutofit fontScale="92500" lnSpcReduction="20000"/>
+          </a:bodyPr>
+          <a:lstStyle/>
+          <a:p>
+            <a:endParaRPr lang="fr-FR"/>
+          </a:p>
+        </p:txBody>
+      </p:sp>
+      <p:sp>
+        <p:nvSpPr>
+          <p:cNvPr id="5" name="Espace réservé de la date 4"/>
+          <p:cNvSpPr>
+            <a:spLocks noGrp="1"/>
+          </p:cNvSpPr>
+          <p:nvPr>
+            <p:ph type="dt" sz="half" idx="2"/>
+          </p:nvPr>
+        </p:nvSpPr>
+        <p:spPr/>
+        <p:txBody>
+          <a:bodyPr/>
+          <a:lstStyle/>
+          <a:p>
+            <a:endParaRPr lang="fr-FR" dirty="0"/>
+          </a:p>
+        </p:txBody>
+      </p:sp>
+    </p:spTree>
+    <p:extLst>
+      <p:ext uri="{BB962C8B-B14F-4D97-AF65-F5344CB8AC3E}">
+        <p14:creationId xmlns:p14="http://schemas.microsoft.com/office/powerpoint/2010/main" val="2562916538"/>
+      </p:ext>
+    </p:extLst>
+  </p:cSld>
+  <p:clrMapOvr>
+    <a:masterClrMapping/>
+  </p:clrMapOvr>
+  <p:timing>
+    <p:tnLst>
+      <p:par>
+        <p:cTn id="1" dur="indefinite" restart="never" nodeType="tmRoot"/>
+      </p:par>
+    </p:tnLst>
+  </p:timing>
+</p:sld>
+</file>
+
+<file path=ppt/slides/slide6.xml><?xml version="1.0" encoding="utf-8"?>
+<p:sld xmlns:a="http://schemas.openxmlformats.org/drawingml/2006/main" xmlns:r="http://schemas.openxmlformats.org/officeDocument/2006/relationships" xmlns:p="http://schemas.openxmlformats.org/presentationml/2006/main">
+  <p:cSld>
+    <p:spTree>
+      <p:nvGrpSpPr>
+        <p:cNvPr id="1" name=""/>
+        <p:cNvGrpSpPr/>
+        <p:nvPr/>
+      </p:nvGrpSpPr>
+      <p:grpSpPr>
+        <a:xfrm>
+          <a:off x="0" y="0"/>
+          <a:ext cx="0" cy="0"/>
+          <a:chOff x="0" y="0"/>
+          <a:chExt cx="0" cy="0"/>
+        </a:xfrm>
+      </p:grpSpPr>
+      <p:sp>
+        <p:nvSpPr>
+          <p:cNvPr id="2" name="Titre 1"/>
+          <p:cNvSpPr>
+            <a:spLocks noGrp="1"/>
+          </p:cNvSpPr>
+          <p:nvPr>
+            <p:ph type="title"/>
+          </p:nvPr>
+        </p:nvSpPr>
+        <p:spPr/>
+        <p:txBody>
+          <a:bodyPr/>
+          <a:lstStyle/>
+          <a:p>
+            <a:r>
+              <a:rPr lang="fr-FR" dirty="0" smtClean="0"/>
+              <a:t>Démo</a:t>
+            </a:r>
+            <a:endParaRPr lang="fr-FR" dirty="0"/>
+          </a:p>
+        </p:txBody>
+      </p:sp>
+      <p:sp>
+        <p:nvSpPr>
+          <p:cNvPr id="3" name="Espace réservé du contenu 2"/>
+          <p:cNvSpPr>
+            <a:spLocks noGrp="1"/>
+          </p:cNvSpPr>
+          <p:nvPr>
+            <p:ph sz="quarter" idx="10"/>
+          </p:nvPr>
+        </p:nvSpPr>
+        <p:spPr/>
+        <p:txBody>
+          <a:bodyPr/>
+          <a:lstStyle/>
+          <a:p>
+            <a:r>
+              <a:rPr lang="fr-FR" dirty="0" smtClean="0"/>
+              <a:t>Ressources</a:t>
+            </a:r>
+          </a:p>
+          <a:p>
+            <a:pPr marL="285750" indent="-285750">
+              <a:buFont typeface="Arial" panose="020B0604020202020204" pitchFamily="34" charset="0"/>
+              <a:buChar char="•"/>
+            </a:pPr>
+            <a:r>
+              <a:rPr lang="fr-FR" sz="1000" b="0" dirty="0">
+                <a:solidFill>
+                  <a:schemeClr val="tx1"/>
+                </a:solidFill>
+                <a:hlinkClick r:id="rId2"/>
+              </a:rPr>
+              <a:t>https://</a:t>
+            </a:r>
+            <a:r>
+              <a:rPr lang="fr-FR" sz="1000" b="0" dirty="0" smtClean="0">
+                <a:solidFill>
+                  <a:schemeClr val="tx1"/>
+                </a:solidFill>
+                <a:hlinkClick r:id="rId2"/>
+              </a:rPr>
+              <a:t>cdelmas.github.io/2015/11/01/A-comparison-of-Microservices-Frameworks.html</a:t>
+            </a:r>
+            <a:endParaRPr lang="fr-FR" sz="1000" b="0" dirty="0" smtClean="0">
+              <a:solidFill>
+                <a:schemeClr val="tx1"/>
+              </a:solidFill>
+            </a:endParaRPr>
+          </a:p>
+          <a:p>
+            <a:pPr marL="285750" indent="-285750">
+              <a:buFont typeface="Arial" panose="020B0604020202020204" pitchFamily="34" charset="0"/>
+              <a:buChar char="•"/>
+            </a:pPr>
+            <a:r>
+              <a:rPr lang="fr-FR" sz="1000" b="0" dirty="0">
+                <a:solidFill>
+                  <a:schemeClr val="tx1"/>
+                </a:solidFill>
+                <a:hlinkClick r:id="rId3"/>
+              </a:rPr>
+              <a:t>https://</a:t>
+            </a:r>
+            <a:r>
+              <a:rPr lang="fr-FR" sz="1000" b="0" dirty="0" smtClean="0">
+                <a:solidFill>
+                  <a:schemeClr val="tx1"/>
+                </a:solidFill>
+                <a:hlinkClick r:id="rId3"/>
+              </a:rPr>
+              <a:t>github.com/aspnet</a:t>
+            </a:r>
+            <a:endParaRPr lang="fr-FR" sz="1000" b="0" dirty="0" smtClean="0">
+              <a:solidFill>
+                <a:schemeClr val="tx1"/>
+              </a:solidFill>
+            </a:endParaRPr>
+          </a:p>
+          <a:p>
+            <a:pPr marL="285750" indent="-285750">
+              <a:buFont typeface="Arial" panose="020B0604020202020204" pitchFamily="34" charset="0"/>
+              <a:buChar char="•"/>
+            </a:pPr>
+            <a:r>
+              <a:rPr lang="fr-FR" sz="1000" b="0" dirty="0">
+                <a:solidFill>
+                  <a:schemeClr val="tx1"/>
+                </a:solidFill>
+                <a:hlinkClick r:id="rId4"/>
+              </a:rPr>
+              <a:t>https://blogs.msdn.microsoft.com/webdev/2016/03/11/first-look-authentication-in-asp-net-core</a:t>
+            </a:r>
+            <a:r>
+              <a:rPr lang="fr-FR" sz="1000" b="0" dirty="0" smtClean="0">
+                <a:solidFill>
+                  <a:schemeClr val="tx1"/>
+                </a:solidFill>
+                <a:hlinkClick r:id="rId4"/>
+              </a:rPr>
+              <a:t>/</a:t>
+            </a:r>
+            <a:endParaRPr lang="fr-FR" sz="1000" b="0" dirty="0" smtClean="0">
+              <a:solidFill>
+                <a:schemeClr val="tx1"/>
+              </a:solidFill>
+            </a:endParaRPr>
+          </a:p>
+          <a:p>
+            <a:pPr marL="285750" indent="-285750">
+              <a:buFont typeface="Arial" panose="020B0604020202020204" pitchFamily="34" charset="0"/>
+              <a:buChar char="•"/>
+            </a:pPr>
+            <a:r>
+              <a:rPr lang="fr-FR" sz="1000" b="0" dirty="0">
+                <a:solidFill>
+                  <a:schemeClr val="tx1"/>
+                </a:solidFill>
+                <a:hlinkClick r:id="rId5"/>
+              </a:rPr>
+              <a:t>https://readthedocs.com/projects/aspnet-aspnet/downloads/pdf/latest</a:t>
+            </a:r>
+            <a:r>
+              <a:rPr lang="fr-FR" sz="1000" b="0" dirty="0" smtClean="0">
+                <a:solidFill>
+                  <a:schemeClr val="tx1"/>
+                </a:solidFill>
+                <a:hlinkClick r:id="rId5"/>
+              </a:rPr>
+              <a:t>/</a:t>
+            </a:r>
+            <a:endParaRPr lang="fr-FR" sz="1000" b="0" dirty="0" smtClean="0">
+              <a:solidFill>
+                <a:schemeClr val="tx1"/>
+              </a:solidFill>
+            </a:endParaRPr>
+          </a:p>
+          <a:p>
+            <a:pPr marL="285750" indent="-285750">
+              <a:buFont typeface="Arial" panose="020B0604020202020204" pitchFamily="34" charset="0"/>
+              <a:buChar char="•"/>
+            </a:pPr>
+            <a:endParaRPr lang="fr-FR" sz="1000" b="0" dirty="0" smtClean="0">
+              <a:solidFill>
+                <a:schemeClr val="tx1"/>
+              </a:solidFill>
+            </a:endParaRPr>
+          </a:p>
+          <a:p>
+            <a:pPr marL="285750" indent="-285750">
+              <a:buFont typeface="Arial" panose="020B0604020202020204" pitchFamily="34" charset="0"/>
+              <a:buChar char="•"/>
+            </a:pPr>
+            <a:endParaRPr lang="fr-FR" sz="1000" b="0" dirty="0" smtClean="0">
+              <a:solidFill>
+                <a:schemeClr val="tx1"/>
+              </a:solidFill>
+            </a:endParaRPr>
+          </a:p>
+          <a:p>
+            <a:pPr marL="285750" indent="-285750">
+              <a:buFont typeface="Arial" panose="020B0604020202020204" pitchFamily="34" charset="0"/>
+              <a:buChar char="•"/>
+            </a:pPr>
+            <a:endParaRPr lang="fr-FR" sz="1000" b="0" dirty="0" smtClean="0">
+              <a:solidFill>
+                <a:schemeClr val="tx1"/>
+              </a:solidFill>
+            </a:endParaRPr>
+          </a:p>
+        </p:txBody>
+      </p:sp>
+      <p:sp>
+        <p:nvSpPr>
+          <p:cNvPr id="4" name="Espace réservé du texte 3"/>
+          <p:cNvSpPr>
+            <a:spLocks noGrp="1"/>
+          </p:cNvSpPr>
+          <p:nvPr>
+            <p:ph type="body" idx="11"/>
+          </p:nvPr>
+        </p:nvSpPr>
+        <p:spPr/>
+        <p:txBody>
+          <a:bodyPr>
+            <a:normAutofit fontScale="92500" lnSpcReduction="20000"/>
+          </a:bodyPr>
+          <a:lstStyle/>
+          <a:p>
+            <a:endParaRPr lang="fr-FR"/>
+          </a:p>
+        </p:txBody>
+      </p:sp>
+      <p:sp>
+        <p:nvSpPr>
+          <p:cNvPr id="5" name="Espace réservé de la date 4"/>
+          <p:cNvSpPr>
+            <a:spLocks noGrp="1"/>
+          </p:cNvSpPr>
+          <p:nvPr>
+            <p:ph type="dt" sz="half" idx="2"/>
+          </p:nvPr>
+        </p:nvSpPr>
+        <p:spPr/>
+        <p:txBody>
+          <a:bodyPr/>
+          <a:lstStyle/>
+          <a:p>
+            <a:endParaRPr lang="fr-FR" dirty="0"/>
+          </a:p>
+        </p:txBody>
+      </p:sp>
+    </p:spTree>
+    <p:extLst>
+      <p:ext uri="{BB962C8B-B14F-4D97-AF65-F5344CB8AC3E}">
+        <p14:creationId xmlns:p14="http://schemas.microsoft.com/office/powerpoint/2010/main" val="1581637499"/>
+      </p:ext>
+    </p:extLst>
+  </p:cSld>
+  <p:clrMapOvr>
+    <a:masterClrMapping/>
+  </p:clrMapOvr>
+  <p:timing>
+    <p:tnLst>
+      <p:par>
+        <p:cTn id="1" dur="indefinite" restart="never" nodeType="tmRoot"/>
+      </p:par>
+    </p:tnLst>
+  </p:timing>
 </p:sld>
 </file>
 
